--- a/captures doc/Presentation.pptx
+++ b/captures doc/Presentation.pptx
@@ -5,7 +5,7 @@
     <p:sldMasterId id="2147483648" r:id="rId1"/>
   </p:sldMasterIdLst>
   <p:notesMasterIdLst>
-    <p:notesMasterId r:id="rId17"/>
+    <p:notesMasterId r:id="rId21"/>
   </p:notesMasterIdLst>
   <p:sldIdLst>
     <p:sldId id="256" r:id="rId2"/>
@@ -20,9 +20,13 @@
     <p:sldId id="275" r:id="rId11"/>
     <p:sldId id="276" r:id="rId12"/>
     <p:sldId id="277" r:id="rId13"/>
-    <p:sldId id="278" r:id="rId14"/>
-    <p:sldId id="280" r:id="rId15"/>
-    <p:sldId id="279" r:id="rId16"/>
+    <p:sldId id="281" r:id="rId14"/>
+    <p:sldId id="282" r:id="rId15"/>
+    <p:sldId id="278" r:id="rId16"/>
+    <p:sldId id="283" r:id="rId17"/>
+    <p:sldId id="280" r:id="rId18"/>
+    <p:sldId id="284" r:id="rId19"/>
+    <p:sldId id="279" r:id="rId20"/>
   </p:sldIdLst>
   <p:sldSz cx="12192000" cy="6858000"/>
   <p:notesSz cx="6858000" cy="9144000"/>
@@ -125,6 +129,9 @@
     <p:ext uri="{EFAFB233-063F-42B5-8137-9DF3F51BA10A}">
       <p15:sldGuideLst xmlns:p15="http://schemas.microsoft.com/office/powerpoint/2012/main"/>
     </p:ext>
+    <p:ext uri="{2D200454-40CA-4A62-9FC3-DE9A4176ACB9}">
+      <p15:notesGuideLst xmlns:p15="http://schemas.microsoft.com/office/powerpoint/2012/main"/>
+    </p:ext>
   </p:extLst>
 </p:presentation>
 </file>
@@ -211,7 +218,7 @@
           <a:p>
             <a:fld id="{8543176A-82D9-4288-BCEF-4B24D9B6B114}" type="datetimeFigureOut">
               <a:rPr lang="fr-FR" smtClean="0"/>
-              <a:t>12/02/2025</a:t>
+              <a:t>13/02/2025</a:t>
             </a:fld>
             <a:endParaRPr lang="fr-FR"/>
           </a:p>
@@ -702,8 +709,26 @@
               <a:buChar char="-"/>
             </a:pPr>
             <a:r>
+              <a:rPr lang="fr-FR" dirty="0" err="1" smtClean="0"/>
+              <a:t>Parser</a:t>
+            </a:r>
+            <a:r>
               <a:rPr lang="fr-FR" dirty="0" smtClean="0"/>
-              <a:t>On indique le fichier</a:t>
+              <a:t> Jackson</a:t>
+            </a:r>
+          </a:p>
+          <a:p>
+            <a:pPr marL="171450" indent="-171450">
+              <a:buFontTx/>
+              <a:buChar char="-"/>
+            </a:pPr>
+            <a:r>
+              <a:rPr lang="fr-FR" dirty="0" smtClean="0"/>
+              <a:t>On </a:t>
+            </a:r>
+            <a:r>
+              <a:rPr lang="fr-FR" dirty="0" smtClean="0"/>
+              <a:t>indique le fichier</a:t>
             </a:r>
           </a:p>
           <a:p>
@@ -1424,6 +1449,186 @@
     <p:extLst>
       <p:ext uri="{BB962C8B-B14F-4D97-AF65-F5344CB8AC3E}">
         <p14:creationId xmlns:p14="http://schemas.microsoft.com/office/powerpoint/2010/main" val="3519157452"/>
+      </p:ext>
+    </p:extLst>
+  </p:cSld>
+  <p:clrMapOvr>
+    <a:masterClrMapping/>
+  </p:clrMapOvr>
+</p:notes>
+</file>
+
+<file path=ppt/notesSlides/notesSlide7.xml><?xml version="1.0" encoding="utf-8"?>
+<p:notes xmlns:a="http://schemas.openxmlformats.org/drawingml/2006/main" xmlns:r="http://schemas.openxmlformats.org/officeDocument/2006/relationships" xmlns:p="http://schemas.openxmlformats.org/presentationml/2006/main">
+  <p:cSld>
+    <p:spTree>
+      <p:nvGrpSpPr>
+        <p:cNvPr id="1" name=""/>
+        <p:cNvGrpSpPr/>
+        <p:nvPr/>
+      </p:nvGrpSpPr>
+      <p:grpSpPr>
+        <a:xfrm>
+          <a:off x="0" y="0"/>
+          <a:ext cx="0" cy="0"/>
+          <a:chOff x="0" y="0"/>
+          <a:chExt cx="0" cy="0"/>
+        </a:xfrm>
+      </p:grpSpPr>
+      <p:sp>
+        <p:nvSpPr>
+          <p:cNvPr id="2" name="Espace réservé de l'image des diapositives 1"/>
+          <p:cNvSpPr>
+            <a:spLocks noGrp="1" noRot="1" noChangeAspect="1"/>
+          </p:cNvSpPr>
+          <p:nvPr>
+            <p:ph type="sldImg"/>
+          </p:nvPr>
+        </p:nvSpPr>
+        <p:spPr/>
+      </p:sp>
+      <p:sp>
+        <p:nvSpPr>
+          <p:cNvPr id="3" name="Espace réservé des notes 2"/>
+          <p:cNvSpPr>
+            <a:spLocks noGrp="1"/>
+          </p:cNvSpPr>
+          <p:nvPr>
+            <p:ph type="body" idx="1"/>
+          </p:nvPr>
+        </p:nvSpPr>
+        <p:spPr/>
+        <p:txBody>
+          <a:bodyPr/>
+          <a:lstStyle/>
+          <a:p>
+            <a:r>
+              <a:rPr lang="fr-FR" dirty="0" smtClean="0"/>
+              <a:t>Mission accomplie</a:t>
+            </a:r>
+            <a:endParaRPr lang="fr-FR" dirty="0"/>
+          </a:p>
+        </p:txBody>
+      </p:sp>
+      <p:sp>
+        <p:nvSpPr>
+          <p:cNvPr id="4" name="Espace réservé du numéro de diapositive 3"/>
+          <p:cNvSpPr>
+            <a:spLocks noGrp="1"/>
+          </p:cNvSpPr>
+          <p:nvPr>
+            <p:ph type="sldNum" sz="quarter" idx="10"/>
+          </p:nvPr>
+        </p:nvSpPr>
+        <p:spPr/>
+        <p:txBody>
+          <a:bodyPr/>
+          <a:lstStyle/>
+          <a:p>
+            <a:fld id="{2E97A8F7-83AC-4B30-BB08-07BDE9D5925D}" type="slidenum">
+              <a:rPr lang="fr-FR" smtClean="0"/>
+              <a:t>13</a:t>
+            </a:fld>
+            <a:endParaRPr lang="fr-FR"/>
+          </a:p>
+        </p:txBody>
+      </p:sp>
+    </p:spTree>
+    <p:extLst>
+      <p:ext uri="{BB962C8B-B14F-4D97-AF65-F5344CB8AC3E}">
+        <p14:creationId xmlns:p14="http://schemas.microsoft.com/office/powerpoint/2010/main" val="1273429516"/>
+      </p:ext>
+    </p:extLst>
+  </p:cSld>
+  <p:clrMapOvr>
+    <a:masterClrMapping/>
+  </p:clrMapOvr>
+</p:notes>
+</file>
+
+<file path=ppt/notesSlides/notesSlide8.xml><?xml version="1.0" encoding="utf-8"?>
+<p:notes xmlns:a="http://schemas.openxmlformats.org/drawingml/2006/main" xmlns:r="http://schemas.openxmlformats.org/officeDocument/2006/relationships" xmlns:p="http://schemas.openxmlformats.org/presentationml/2006/main">
+  <p:cSld>
+    <p:spTree>
+      <p:nvGrpSpPr>
+        <p:cNvPr id="1" name=""/>
+        <p:cNvGrpSpPr/>
+        <p:nvPr/>
+      </p:nvGrpSpPr>
+      <p:grpSpPr>
+        <a:xfrm>
+          <a:off x="0" y="0"/>
+          <a:ext cx="0" cy="0"/>
+          <a:chOff x="0" y="0"/>
+          <a:chExt cx="0" cy="0"/>
+        </a:xfrm>
+      </p:grpSpPr>
+      <p:sp>
+        <p:nvSpPr>
+          <p:cNvPr id="2" name="Espace réservé de l'image des diapositives 1"/>
+          <p:cNvSpPr>
+            <a:spLocks noGrp="1" noRot="1" noChangeAspect="1"/>
+          </p:cNvSpPr>
+          <p:nvPr>
+            <p:ph type="sldImg"/>
+          </p:nvPr>
+        </p:nvSpPr>
+        <p:spPr/>
+      </p:sp>
+      <p:sp>
+        <p:nvSpPr>
+          <p:cNvPr id="3" name="Espace réservé des notes 2"/>
+          <p:cNvSpPr>
+            <a:spLocks noGrp="1"/>
+          </p:cNvSpPr>
+          <p:nvPr>
+            <p:ph type="body" idx="1"/>
+          </p:nvPr>
+        </p:nvSpPr>
+        <p:spPr/>
+        <p:txBody>
+          <a:bodyPr/>
+          <a:lstStyle/>
+          <a:p>
+            <a:r>
+              <a:rPr lang="fr-FR" dirty="0" smtClean="0"/>
+              <a:t>Facilite</a:t>
+            </a:r>
+            <a:r>
+              <a:rPr lang="fr-FR" baseline="0" dirty="0" smtClean="0"/>
+              <a:t> le débogage</a:t>
+            </a:r>
+            <a:endParaRPr lang="fr-FR" dirty="0"/>
+          </a:p>
+        </p:txBody>
+      </p:sp>
+      <p:sp>
+        <p:nvSpPr>
+          <p:cNvPr id="4" name="Espace réservé du numéro de diapositive 3"/>
+          <p:cNvSpPr>
+            <a:spLocks noGrp="1"/>
+          </p:cNvSpPr>
+          <p:nvPr>
+            <p:ph type="sldNum" sz="quarter" idx="10"/>
+          </p:nvPr>
+        </p:nvSpPr>
+        <p:spPr/>
+        <p:txBody>
+          <a:bodyPr/>
+          <a:lstStyle/>
+          <a:p>
+            <a:fld id="{2E97A8F7-83AC-4B30-BB08-07BDE9D5925D}" type="slidenum">
+              <a:rPr lang="fr-FR" smtClean="0"/>
+              <a:t>18</a:t>
+            </a:fld>
+            <a:endParaRPr lang="fr-FR"/>
+          </a:p>
+        </p:txBody>
+      </p:sp>
+    </p:spTree>
+    <p:extLst>
+      <p:ext uri="{BB962C8B-B14F-4D97-AF65-F5344CB8AC3E}">
+        <p14:creationId xmlns:p14="http://schemas.microsoft.com/office/powerpoint/2010/main" val="399354878"/>
       </p:ext>
     </p:extLst>
   </p:cSld>
@@ -1622,7 +1827,7 @@
             <a:fld id="{B61BEF0D-F0BB-DE4B-95CE-6DB70DBA9567}" type="datetimeFigureOut">
               <a:rPr lang="en-US" dirty="0"/>
               <a:pPr/>
-              <a:t>2/12/2025</a:t>
+              <a:t>2/13/2025</a:t>
             </a:fld>
             <a:endParaRPr lang="en-US" dirty="0"/>
           </a:p>
@@ -1957,7 +2162,7 @@
             <a:fld id="{B61BEF0D-F0BB-DE4B-95CE-6DB70DBA9567}" type="datetimeFigureOut">
               <a:rPr lang="en-US" dirty="0"/>
               <a:pPr/>
-              <a:t>2/12/2025</a:t>
+              <a:t>2/13/2025</a:t>
             </a:fld>
             <a:endParaRPr lang="en-US" dirty="0"/>
           </a:p>
@@ -2355,7 +2560,7 @@
             <a:fld id="{B61BEF0D-F0BB-DE4B-95CE-6DB70DBA9567}" type="datetimeFigureOut">
               <a:rPr lang="en-US" dirty="0"/>
               <a:pPr/>
-              <a:t>2/12/2025</a:t>
+              <a:t>2/13/2025</a:t>
             </a:fld>
             <a:endParaRPr lang="en-US" dirty="0"/>
           </a:p>
@@ -2688,7 +2893,7 @@
             <a:fld id="{B61BEF0D-F0BB-DE4B-95CE-6DB70DBA9567}" type="datetimeFigureOut">
               <a:rPr lang="en-US" dirty="0"/>
               <a:pPr/>
-              <a:t>2/12/2025</a:t>
+              <a:t>2/13/2025</a:t>
             </a:fld>
             <a:endParaRPr lang="en-US" dirty="0"/>
           </a:p>
@@ -3005,7 +3210,7 @@
             <a:fld id="{B61BEF0D-F0BB-DE4B-95CE-6DB70DBA9567}" type="datetimeFigureOut">
               <a:rPr lang="en-US" dirty="0"/>
               <a:pPr/>
-              <a:t>2/12/2025</a:t>
+              <a:t>2/13/2025</a:t>
             </a:fld>
             <a:endParaRPr lang="en-US" dirty="0"/>
           </a:p>
@@ -3398,7 +3603,7 @@
             <a:fld id="{B61BEF0D-F0BB-DE4B-95CE-6DB70DBA9567}" type="datetimeFigureOut">
               <a:rPr lang="en-US" dirty="0"/>
               <a:pPr/>
-              <a:t>2/12/2025</a:t>
+              <a:t>2/13/2025</a:t>
             </a:fld>
             <a:endParaRPr lang="en-US" dirty="0"/>
           </a:p>
@@ -3652,7 +3857,7 @@
             <a:fld id="{B61BEF0D-F0BB-DE4B-95CE-6DB70DBA9567}" type="datetimeFigureOut">
               <a:rPr lang="en-US" dirty="0"/>
               <a:pPr/>
-              <a:t>2/12/2025</a:t>
+              <a:t>2/13/2025</a:t>
             </a:fld>
             <a:endParaRPr lang="en-US" dirty="0"/>
           </a:p>
@@ -3911,7 +4116,7 @@
             <a:fld id="{B61BEF0D-F0BB-DE4B-95CE-6DB70DBA9567}" type="datetimeFigureOut">
               <a:rPr lang="en-US" dirty="0"/>
               <a:pPr/>
-              <a:t>2/12/2025</a:t>
+              <a:t>2/13/2025</a:t>
             </a:fld>
             <a:endParaRPr lang="en-US" dirty="0"/>
           </a:p>
@@ -4170,7 +4375,7 @@
             <a:fld id="{B61BEF0D-F0BB-DE4B-95CE-6DB70DBA9567}" type="datetimeFigureOut">
               <a:rPr lang="en-US" dirty="0"/>
               <a:pPr/>
-              <a:t>2/12/2025</a:t>
+              <a:t>2/13/2025</a:t>
             </a:fld>
             <a:endParaRPr lang="en-US" dirty="0"/>
           </a:p>
@@ -4496,7 +4701,7 @@
             <a:fld id="{B61BEF0D-F0BB-DE4B-95CE-6DB70DBA9567}" type="datetimeFigureOut">
               <a:rPr lang="en-US" dirty="0"/>
               <a:pPr/>
-              <a:t>2/12/2025</a:t>
+              <a:t>2/13/2025</a:t>
             </a:fld>
             <a:endParaRPr lang="en-US" dirty="0"/>
           </a:p>
@@ -4816,7 +5021,7 @@
             <a:fld id="{B61BEF0D-F0BB-DE4B-95CE-6DB70DBA9567}" type="datetimeFigureOut">
               <a:rPr lang="en-US" dirty="0"/>
               <a:pPr/>
-              <a:t>2/12/2025</a:t>
+              <a:t>2/13/2025</a:t>
             </a:fld>
             <a:endParaRPr lang="en-US" dirty="0"/>
           </a:p>
@@ -5270,7 +5475,7 @@
             <a:fld id="{B61BEF0D-F0BB-DE4B-95CE-6DB70DBA9567}" type="datetimeFigureOut">
               <a:rPr lang="en-US" dirty="0"/>
               <a:pPr/>
-              <a:t>2/12/2025</a:t>
+              <a:t>2/13/2025</a:t>
             </a:fld>
             <a:endParaRPr lang="en-US" dirty="0"/>
           </a:p>
@@ -5472,7 +5677,7 @@
             <a:fld id="{B61BEF0D-F0BB-DE4B-95CE-6DB70DBA9567}" type="datetimeFigureOut">
               <a:rPr lang="en-US" dirty="0"/>
               <a:pPr/>
-              <a:t>2/12/2025</a:t>
+              <a:t>2/13/2025</a:t>
             </a:fld>
             <a:endParaRPr lang="en-US" dirty="0"/>
           </a:p>
@@ -5646,7 +5851,7 @@
             <a:fld id="{B61BEF0D-F0BB-DE4B-95CE-6DB70DBA9567}" type="datetimeFigureOut">
               <a:rPr lang="en-US" dirty="0"/>
               <a:pPr/>
-              <a:t>2/12/2025</a:t>
+              <a:t>2/13/2025</a:t>
             </a:fld>
             <a:endParaRPr lang="en-US" dirty="0"/>
           </a:p>
@@ -5976,7 +6181,7 @@
             <a:fld id="{B61BEF0D-F0BB-DE4B-95CE-6DB70DBA9567}" type="datetimeFigureOut">
               <a:rPr lang="en-US" dirty="0"/>
               <a:pPr/>
-              <a:t>2/12/2025</a:t>
+              <a:t>2/13/2025</a:t>
             </a:fld>
             <a:endParaRPr lang="en-US" dirty="0"/>
           </a:p>
@@ -6318,7 +6523,7 @@
             <a:fld id="{B61BEF0D-F0BB-DE4B-95CE-6DB70DBA9567}" type="datetimeFigureOut">
               <a:rPr lang="en-US" dirty="0"/>
               <a:pPr/>
-              <a:t>2/12/2025</a:t>
+              <a:t>2/13/2025</a:t>
             </a:fld>
             <a:endParaRPr lang="en-US" dirty="0"/>
           </a:p>
@@ -8432,7 +8637,7 @@
             <a:fld id="{B61BEF0D-F0BB-DE4B-95CE-6DB70DBA9567}" type="datetimeFigureOut">
               <a:rPr lang="en-US" dirty="0"/>
               <a:pPr/>
-              <a:t>2/12/2025</a:t>
+              <a:t>2/13/2025</a:t>
             </a:fld>
             <a:endParaRPr lang="en-US" dirty="0"/>
           </a:p>
@@ -9448,6 +9653,226 @@
             <p:ph type="title"/>
           </p:nvPr>
         </p:nvSpPr>
+        <p:spPr>
+          <a:xfrm>
+            <a:off x="2592925" y="624110"/>
+            <a:ext cx="8911687" cy="717010"/>
+          </a:xfrm>
+        </p:spPr>
+        <p:txBody>
+          <a:bodyPr/>
+          <a:lstStyle/>
+          <a:p>
+            <a:r>
+              <a:rPr lang="fr-FR" dirty="0" smtClean="0"/>
+              <a:t>Couverture de code – </a:t>
+            </a:r>
+            <a:r>
+              <a:rPr lang="fr-FR" dirty="0" err="1" smtClean="0"/>
+              <a:t>Jacoco</a:t>
+            </a:r>
+            <a:r>
+              <a:rPr lang="fr-FR" dirty="0" smtClean="0"/>
+              <a:t> report</a:t>
+            </a:r>
+            <a:endParaRPr lang="fr-FR" dirty="0"/>
+          </a:p>
+        </p:txBody>
+      </p:sp>
+      <p:pic>
+        <p:nvPicPr>
+          <p:cNvPr id="4" name="Espace réservé du contenu 3"/>
+          <p:cNvPicPr>
+            <a:picLocks noGrp="1" noChangeAspect="1"/>
+          </p:cNvPicPr>
+          <p:nvPr>
+            <p:ph idx="1"/>
+          </p:nvPr>
+        </p:nvPicPr>
+        <p:blipFill>
+          <a:blip r:embed="rId3">
+            <a:extLst>
+              <a:ext uri="{28A0092B-C50C-407E-A947-70E740481C1C}">
+                <a14:useLocalDpi xmlns:a14="http://schemas.microsoft.com/office/drawing/2010/main" val="0"/>
+              </a:ext>
+            </a:extLst>
+          </a:blip>
+          <a:stretch>
+            <a:fillRect/>
+          </a:stretch>
+        </p:blipFill>
+        <p:spPr>
+          <a:xfrm>
+            <a:off x="1969670" y="2804160"/>
+            <a:ext cx="9534942" cy="1922096"/>
+          </a:xfrm>
+        </p:spPr>
+      </p:pic>
+    </p:spTree>
+    <p:extLst>
+      <p:ext uri="{BB962C8B-B14F-4D97-AF65-F5344CB8AC3E}">
+        <p14:creationId xmlns:p14="http://schemas.microsoft.com/office/powerpoint/2010/main" val="3311050831"/>
+      </p:ext>
+    </p:extLst>
+  </p:cSld>
+  <p:clrMapOvr>
+    <a:masterClrMapping/>
+  </p:clrMapOvr>
+</p:sld>
+</file>
+
+<file path=ppt/slides/slide14.xml><?xml version="1.0" encoding="utf-8"?>
+<p:sld xmlns:a="http://schemas.openxmlformats.org/drawingml/2006/main" xmlns:r="http://schemas.openxmlformats.org/officeDocument/2006/relationships" xmlns:p="http://schemas.openxmlformats.org/presentationml/2006/main">
+  <p:cSld>
+    <p:spTree>
+      <p:nvGrpSpPr>
+        <p:cNvPr id="1" name=""/>
+        <p:cNvGrpSpPr/>
+        <p:nvPr/>
+      </p:nvGrpSpPr>
+      <p:grpSpPr>
+        <a:xfrm>
+          <a:off x="0" y="0"/>
+          <a:ext cx="0" cy="0"/>
+          <a:chOff x="0" y="0"/>
+          <a:chExt cx="0" cy="0"/>
+        </a:xfrm>
+      </p:grpSpPr>
+      <p:sp>
+        <p:nvSpPr>
+          <p:cNvPr id="2" name="Titre 1"/>
+          <p:cNvSpPr>
+            <a:spLocks noGrp="1"/>
+          </p:cNvSpPr>
+          <p:nvPr>
+            <p:ph type="title"/>
+          </p:nvPr>
+        </p:nvSpPr>
+        <p:spPr>
+          <a:xfrm>
+            <a:off x="1639320" y="577231"/>
+            <a:ext cx="8911687" cy="741394"/>
+          </a:xfrm>
+        </p:spPr>
+        <p:txBody>
+          <a:bodyPr/>
+          <a:lstStyle/>
+          <a:p>
+            <a:r>
+              <a:rPr lang="fr-FR" dirty="0" smtClean="0"/>
+              <a:t>Rapport détaillé - </a:t>
+            </a:r>
+            <a:r>
+              <a:rPr lang="fr-FR" dirty="0" err="1" smtClean="0"/>
+              <a:t>Surefire</a:t>
+            </a:r>
+            <a:r>
+              <a:rPr lang="fr-FR" dirty="0" smtClean="0"/>
+              <a:t> report</a:t>
+            </a:r>
+            <a:endParaRPr lang="fr-FR" dirty="0"/>
+          </a:p>
+        </p:txBody>
+      </p:sp>
+      <p:pic>
+        <p:nvPicPr>
+          <p:cNvPr id="4" name="Espace réservé du contenu 3"/>
+          <p:cNvPicPr>
+            <a:picLocks noGrp="1" noChangeAspect="1"/>
+          </p:cNvPicPr>
+          <p:nvPr>
+            <p:ph idx="1"/>
+          </p:nvPr>
+        </p:nvPicPr>
+        <p:blipFill>
+          <a:blip r:embed="rId2">
+            <a:extLst>
+              <a:ext uri="{28A0092B-C50C-407E-A947-70E740481C1C}">
+                <a14:useLocalDpi xmlns:a14="http://schemas.microsoft.com/office/drawing/2010/main" val="0"/>
+              </a:ext>
+            </a:extLst>
+          </a:blip>
+          <a:stretch>
+            <a:fillRect/>
+          </a:stretch>
+        </p:blipFill>
+        <p:spPr>
+          <a:xfrm>
+            <a:off x="109422" y="1770888"/>
+            <a:ext cx="8800592" cy="4264152"/>
+          </a:xfrm>
+        </p:spPr>
+      </p:pic>
+      <p:pic>
+        <p:nvPicPr>
+          <p:cNvPr id="5" name="Image 4"/>
+          <p:cNvPicPr>
+            <a:picLocks noChangeAspect="1"/>
+          </p:cNvPicPr>
+          <p:nvPr/>
+        </p:nvPicPr>
+        <p:blipFill>
+          <a:blip r:embed="rId3">
+            <a:extLst>
+              <a:ext uri="{28A0092B-C50C-407E-A947-70E740481C1C}">
+                <a14:useLocalDpi xmlns:a14="http://schemas.microsoft.com/office/drawing/2010/main" val="0"/>
+              </a:ext>
+            </a:extLst>
+          </a:blip>
+          <a:stretch>
+            <a:fillRect/>
+          </a:stretch>
+        </p:blipFill>
+        <p:spPr>
+          <a:xfrm>
+            <a:off x="8910014" y="0"/>
+            <a:ext cx="3281986" cy="6858000"/>
+          </a:xfrm>
+          <a:prstGeom prst="rect">
+            <a:avLst/>
+          </a:prstGeom>
+        </p:spPr>
+      </p:pic>
+    </p:spTree>
+    <p:extLst>
+      <p:ext uri="{BB962C8B-B14F-4D97-AF65-F5344CB8AC3E}">
+        <p14:creationId xmlns:p14="http://schemas.microsoft.com/office/powerpoint/2010/main" val="3872255242"/>
+      </p:ext>
+    </p:extLst>
+  </p:cSld>
+  <p:clrMapOvr>
+    <a:masterClrMapping/>
+  </p:clrMapOvr>
+</p:sld>
+</file>
+
+<file path=ppt/slides/slide15.xml><?xml version="1.0" encoding="utf-8"?>
+<p:sld xmlns:a="http://schemas.openxmlformats.org/drawingml/2006/main" xmlns:r="http://schemas.openxmlformats.org/officeDocument/2006/relationships" xmlns:p="http://schemas.openxmlformats.org/presentationml/2006/main">
+  <p:cSld>
+    <p:spTree>
+      <p:nvGrpSpPr>
+        <p:cNvPr id="1" name=""/>
+        <p:cNvGrpSpPr/>
+        <p:nvPr/>
+      </p:nvGrpSpPr>
+      <p:grpSpPr>
+        <a:xfrm>
+          <a:off x="0" y="0"/>
+          <a:ext cx="0" cy="0"/>
+          <a:chOff x="0" y="0"/>
+          <a:chExt cx="0" cy="0"/>
+        </a:xfrm>
+      </p:grpSpPr>
+      <p:sp>
+        <p:nvSpPr>
+          <p:cNvPr id="2" name="Titre 1"/>
+          <p:cNvSpPr>
+            <a:spLocks noGrp="1"/>
+          </p:cNvSpPr>
+          <p:nvPr>
+            <p:ph type="title"/>
+          </p:nvPr>
+        </p:nvSpPr>
         <p:spPr/>
         <p:txBody>
           <a:bodyPr/>
@@ -9541,7 +9966,138 @@
 </p:sld>
 </file>
 
-<file path=ppt/slides/slide14.xml><?xml version="1.0" encoding="utf-8"?>
+<file path=ppt/slides/slide16.xml><?xml version="1.0" encoding="utf-8"?>
+<p:sld xmlns:a="http://schemas.openxmlformats.org/drawingml/2006/main" xmlns:r="http://schemas.openxmlformats.org/officeDocument/2006/relationships" xmlns:p="http://schemas.openxmlformats.org/presentationml/2006/main">
+  <p:cSld>
+    <p:spTree>
+      <p:nvGrpSpPr>
+        <p:cNvPr id="1" name=""/>
+        <p:cNvGrpSpPr/>
+        <p:nvPr/>
+      </p:nvGrpSpPr>
+      <p:grpSpPr>
+        <a:xfrm>
+          <a:off x="0" y="0"/>
+          <a:ext cx="0" cy="0"/>
+          <a:chOff x="0" y="0"/>
+          <a:chExt cx="0" cy="0"/>
+        </a:xfrm>
+      </p:grpSpPr>
+      <p:sp>
+        <p:nvSpPr>
+          <p:cNvPr id="2" name="Titre 1"/>
+          <p:cNvSpPr>
+            <a:spLocks noGrp="1"/>
+          </p:cNvSpPr>
+          <p:nvPr>
+            <p:ph type="title"/>
+          </p:nvPr>
+        </p:nvSpPr>
+        <p:spPr>
+          <a:xfrm>
+            <a:off x="1690717" y="624110"/>
+            <a:ext cx="8911687" cy="1280890"/>
+          </a:xfrm>
+        </p:spPr>
+        <p:txBody>
+          <a:bodyPr>
+            <a:normAutofit/>
+          </a:bodyPr>
+          <a:lstStyle/>
+          <a:p>
+            <a:r>
+              <a:rPr lang="fr-FR" sz="3200" dirty="0" smtClean="0"/>
+              <a:t>Rapport détaillé – </a:t>
+            </a:r>
+            <a:r>
+              <a:rPr lang="fr-FR" sz="3200" dirty="0" err="1"/>
+              <a:t>F</a:t>
+            </a:r>
+            <a:r>
+              <a:rPr lang="fr-FR" sz="3200" dirty="0" err="1" smtClean="0"/>
+              <a:t>ailsafe</a:t>
+            </a:r>
+            <a:r>
+              <a:rPr lang="fr-FR" sz="3200" dirty="0" smtClean="0"/>
+              <a:t> report</a:t>
+            </a:r>
+            <a:endParaRPr lang="fr-FR" sz="3200" dirty="0"/>
+          </a:p>
+        </p:txBody>
+      </p:sp>
+      <p:pic>
+        <p:nvPicPr>
+          <p:cNvPr id="4" name="Espace réservé du contenu 3"/>
+          <p:cNvPicPr>
+            <a:picLocks noGrp="1" noChangeAspect="1"/>
+          </p:cNvPicPr>
+          <p:nvPr>
+            <p:ph idx="1"/>
+          </p:nvPr>
+        </p:nvPicPr>
+        <p:blipFill>
+          <a:blip r:embed="rId2">
+            <a:extLst>
+              <a:ext uri="{28A0092B-C50C-407E-A947-70E740481C1C}">
+                <a14:useLocalDpi xmlns:a14="http://schemas.microsoft.com/office/drawing/2010/main" val="0"/>
+              </a:ext>
+            </a:extLst>
+          </a:blip>
+          <a:stretch>
+            <a:fillRect/>
+          </a:stretch>
+        </p:blipFill>
+        <p:spPr>
+          <a:xfrm>
+            <a:off x="187389" y="2529110"/>
+            <a:ext cx="8608650" cy="3502166"/>
+          </a:xfrm>
+        </p:spPr>
+      </p:pic>
+      <p:pic>
+        <p:nvPicPr>
+          <p:cNvPr id="5" name="Image 4"/>
+          <p:cNvPicPr>
+            <a:picLocks noChangeAspect="1"/>
+          </p:cNvPicPr>
+          <p:nvPr/>
+        </p:nvPicPr>
+        <p:blipFill>
+          <a:blip r:embed="rId3">
+            <a:extLst>
+              <a:ext uri="{28A0092B-C50C-407E-A947-70E740481C1C}">
+                <a14:useLocalDpi xmlns:a14="http://schemas.microsoft.com/office/drawing/2010/main" val="0"/>
+              </a:ext>
+            </a:extLst>
+          </a:blip>
+          <a:stretch>
+            <a:fillRect/>
+          </a:stretch>
+        </p:blipFill>
+        <p:spPr>
+          <a:xfrm>
+            <a:off x="8436654" y="0"/>
+            <a:ext cx="3755346" cy="6858000"/>
+          </a:xfrm>
+          <a:prstGeom prst="rect">
+            <a:avLst/>
+          </a:prstGeom>
+        </p:spPr>
+      </p:pic>
+    </p:spTree>
+    <p:extLst>
+      <p:ext uri="{BB962C8B-B14F-4D97-AF65-F5344CB8AC3E}">
+        <p14:creationId xmlns:p14="http://schemas.microsoft.com/office/powerpoint/2010/main" val="1923581737"/>
+      </p:ext>
+    </p:extLst>
+  </p:cSld>
+  <p:clrMapOvr>
+    <a:masterClrMapping/>
+  </p:clrMapOvr>
+</p:sld>
+</file>
+
+<file path=ppt/slides/slide17.xml><?xml version="1.0" encoding="utf-8"?>
 <p:sld xmlns:a="http://schemas.openxmlformats.org/drawingml/2006/main" xmlns:r="http://schemas.openxmlformats.org/officeDocument/2006/relationships" xmlns:p="http://schemas.openxmlformats.org/presentationml/2006/main">
   <p:cSld>
     <p:spTree>
@@ -9657,7 +10213,124 @@
 </p:sld>
 </file>
 
-<file path=ppt/slides/slide15.xml><?xml version="1.0" encoding="utf-8"?>
+<file path=ppt/slides/slide18.xml><?xml version="1.0" encoding="utf-8"?>
+<p:sld xmlns:a="http://schemas.openxmlformats.org/drawingml/2006/main" xmlns:r="http://schemas.openxmlformats.org/officeDocument/2006/relationships" xmlns:p="http://schemas.openxmlformats.org/presentationml/2006/main">
+  <p:cSld>
+    <p:spTree>
+      <p:nvGrpSpPr>
+        <p:cNvPr id="1" name=""/>
+        <p:cNvGrpSpPr/>
+        <p:nvPr/>
+      </p:nvGrpSpPr>
+      <p:grpSpPr>
+        <a:xfrm>
+          <a:off x="0" y="0"/>
+          <a:ext cx="0" cy="0"/>
+          <a:chOff x="0" y="0"/>
+          <a:chExt cx="0" cy="0"/>
+        </a:xfrm>
+      </p:grpSpPr>
+      <p:sp>
+        <p:nvSpPr>
+          <p:cNvPr id="2" name="Titre 1"/>
+          <p:cNvSpPr>
+            <a:spLocks noGrp="1"/>
+          </p:cNvSpPr>
+          <p:nvPr>
+            <p:ph type="title"/>
+          </p:nvPr>
+        </p:nvSpPr>
+        <p:spPr>
+          <a:xfrm>
+            <a:off x="2592925" y="624110"/>
+            <a:ext cx="8911687" cy="777970"/>
+          </a:xfrm>
+        </p:spPr>
+        <p:txBody>
+          <a:bodyPr/>
+          <a:lstStyle/>
+          <a:p>
+            <a:r>
+              <a:rPr lang="fr-FR" dirty="0" smtClean="0"/>
+              <a:t>Fichier log pour les requêtes</a:t>
+            </a:r>
+            <a:endParaRPr lang="fr-FR" dirty="0"/>
+          </a:p>
+        </p:txBody>
+      </p:sp>
+      <p:pic>
+        <p:nvPicPr>
+          <p:cNvPr id="4" name="Espace réservé du contenu 3"/>
+          <p:cNvPicPr>
+            <a:picLocks noGrp="1" noChangeAspect="1"/>
+          </p:cNvPicPr>
+          <p:nvPr>
+            <p:ph idx="1"/>
+          </p:nvPr>
+        </p:nvPicPr>
+        <p:blipFill>
+          <a:blip r:embed="rId3">
+            <a:extLst>
+              <a:ext uri="{28A0092B-C50C-407E-A947-70E740481C1C}">
+                <a14:useLocalDpi xmlns:a14="http://schemas.microsoft.com/office/drawing/2010/main" val="0"/>
+              </a:ext>
+            </a:extLst>
+          </a:blip>
+          <a:stretch>
+            <a:fillRect/>
+          </a:stretch>
+        </p:blipFill>
+        <p:spPr>
+          <a:xfrm>
+            <a:off x="2592925" y="2609214"/>
+            <a:ext cx="7636163" cy="3346713"/>
+          </a:xfrm>
+        </p:spPr>
+      </p:pic>
+      <p:pic>
+        <p:nvPicPr>
+          <p:cNvPr id="5" name="Image 4"/>
+          <p:cNvPicPr>
+            <a:picLocks noChangeAspect="1"/>
+          </p:cNvPicPr>
+          <p:nvPr/>
+        </p:nvPicPr>
+        <p:blipFill>
+          <a:blip r:embed="rId4">
+            <a:extLst>
+              <a:ext uri="{28A0092B-C50C-407E-A947-70E740481C1C}">
+                <a14:useLocalDpi xmlns:a14="http://schemas.microsoft.com/office/drawing/2010/main" val="0"/>
+              </a:ext>
+            </a:extLst>
+          </a:blip>
+          <a:stretch>
+            <a:fillRect/>
+          </a:stretch>
+        </p:blipFill>
+        <p:spPr>
+          <a:xfrm>
+            <a:off x="4725081" y="1927923"/>
+            <a:ext cx="3371850" cy="304800"/>
+          </a:xfrm>
+          <a:prstGeom prst="rect">
+            <a:avLst/>
+          </a:prstGeom>
+        </p:spPr>
+      </p:pic>
+    </p:spTree>
+    <p:extLst>
+      <p:ext uri="{BB962C8B-B14F-4D97-AF65-F5344CB8AC3E}">
+        <p14:creationId xmlns:p14="http://schemas.microsoft.com/office/powerpoint/2010/main" val="482034437"/>
+      </p:ext>
+    </p:extLst>
+  </p:cSld>
+  <p:clrMapOvr>
+    <a:masterClrMapping/>
+  </p:clrMapOvr>
+</p:sld>
+</file>
+
+<file path=ppt/slides/slide19.xml><?xml version="1.0" encoding="utf-8"?>
 <p:sld xmlns:a="http://schemas.openxmlformats.org/drawingml/2006/main" xmlns:r="http://schemas.openxmlformats.org/officeDocument/2006/relationships" xmlns:p="http://schemas.openxmlformats.org/presentationml/2006/main">
   <p:cSld>
     <p:spTree>
@@ -9863,7 +10536,6 @@
               <a:rPr lang="fr-FR" dirty="0" smtClean="0"/>
               <a:t>Objectif</a:t>
             </a:r>
-            <a:endParaRPr lang="fr-FR" dirty="0" smtClean="0"/>
           </a:p>
           <a:p>
             <a:endParaRPr lang="fr-FR" dirty="0" smtClean="0"/>
@@ -10135,11 +10807,7 @@
           <a:p>
             <a:r>
               <a:rPr lang="fr-FR" dirty="0" smtClean="0"/>
-              <a:t>Puis a</a:t>
-            </a:r>
-            <a:r>
-              <a:rPr lang="fr-FR" dirty="0" smtClean="0"/>
-              <a:t>jouts dans le pom.xml</a:t>
+              <a:t>Puis ajouts dans le pom.xml</a:t>
             </a:r>
             <a:endParaRPr lang="fr-FR" dirty="0"/>
           </a:p>
@@ -10676,7 +11344,6 @@
               <a:rPr lang="fr-FR" sz="2200" dirty="0"/>
               <a:t>}</a:t>
             </a:r>
-            <a:endParaRPr lang="fr-FR" sz="2200" dirty="0"/>
           </a:p>
         </p:txBody>
       </p:sp>
